--- a/Présentations/Présentation5.pptx
+++ b/Présentations/Présentation5.pptx
@@ -341,7 +341,7 @@
           <a:p>
             <a:fld id="{A379BD5D-6415-4B73-A458-1D34B8733C72}" type="datetimeFigureOut">
               <a:rPr lang="en-US" smtClean="0"/>
-              <a:t>6/24/2022</a:t>
+              <a:t>8/15/2022</a:t>
             </a:fld>
             <a:endParaRPr lang="en-US"/>
           </a:p>
@@ -13821,7 +13821,15 @@
                 </a:pPr>
                 <a:r>
                   <a:rPr lang="en-US" sz="2000" dirty="0"/>
-                  <a:t>To depict hidden confounders, we use a doble arrowed edges with a lag of 0 </a:t>
+                  <a:t>To depict hidden confounders, we use </a:t>
+                </a:r>
+                <a:r>
+                  <a:rPr lang="en-US" sz="2000"/>
+                  <a:t>a double </a:t>
+                </a:r>
+                <a:r>
+                  <a:rPr lang="en-US" sz="2000" dirty="0"/>
+                  <a:t>arrowed edges with a lag of 0 </a:t>
                 </a:r>
               </a:p>
             </p:txBody>
@@ -21916,8 +21924,8 @@
           <a:chExt cx="0" cy="0"/>
         </a:xfrm>
       </p:grpSpPr>
-      <mc:AlternateContent xmlns:mc="http://schemas.openxmlformats.org/markup-compatibility/2006" xmlns:a14="http://schemas.microsoft.com/office/drawing/2010/main">
-        <mc:Choice Requires="a14">
+      <mc:AlternateContent xmlns:mc="http://schemas.openxmlformats.org/markup-compatibility/2006">
+        <mc:Choice xmlns:a14="http://schemas.microsoft.com/office/drawing/2010/main" Requires="a14">
           <p:sp>
             <p:nvSpPr>
               <p:cNvPr id="6" name="Espace réservé du texte 1">
@@ -22202,7 +22210,15 @@
                 </a:pPr>
                 <a:r>
                   <a:rPr lang="en-US" sz="3200" dirty="0"/>
-                  <a:t>Structural Intervention Distribution (SID)</a:t>
+                  <a:t>Structural </a:t>
+                </a:r>
+                <a:r>
+                  <a:rPr lang="en-US" sz="3200"/>
+                  <a:t>Intervention Distance </a:t>
+                </a:r>
+                <a:r>
+                  <a:rPr lang="en-US" sz="3200" dirty="0"/>
+                  <a:t>(SID)</a:t>
                 </a:r>
               </a:p>
               <a:p>
@@ -22870,7 +22886,7 @@
             </p:txBody>
           </p:sp>
         </mc:Choice>
-        <mc:Fallback xmlns="">
+        <mc:Fallback>
           <p:sp>
             <p:nvSpPr>
               <p:cNvPr id="6" name="Espace réservé du texte 1">
